--- a/week12/branch.pptx
+++ b/week12/branch.pptx
@@ -1,12 +1,13 @@
 
 <file path=ppt/presentation.xml><?xml version="1.0" encoding="utf-8"?>
-<p:presentation xmlns:a="http://schemas.openxmlformats.org/drawingml/2006/main" xmlns:r="http://schemas.openxmlformats.org/officeDocument/2006/relationships" xmlns:p="http://schemas.openxmlformats.org/presentationml/2006/main" saveSubsetFonts="1" autoCompressPictures="0">
+<p:presentation xmlns:r="http://schemas.openxmlformats.org/officeDocument/2006/relationships" xmlns:c="http://schemas.openxmlformats.org/drawingml/2006/chart" xmlns:a="http://schemas.openxmlformats.org/drawingml/2006/main" xmlns:dgm="http://schemas.openxmlformats.org/drawingml/2006/diagram" xmlns:dsp="http://schemas.microsoft.com/office/drawing/2008/diagram" xmlns:p="http://schemas.openxmlformats.org/presentationml/2006/main" autoCompressPictures="0">
   <p:sldMasterIdLst>
     <p:sldMasterId id="2147483648" r:id="rId1"/>
   </p:sldMasterIdLst>
   <p:sldIdLst>
     <p:sldId id="256" r:id="rId2"/>
     <p:sldId id="257" r:id="rId3"/>
+    <p:sldId id="258" r:id="rId4"/>
   </p:sldIdLst>
   <p:sldSz cx="12192000" cy="6858000"/>
   <p:notesSz cx="6858000" cy="9144000"/>
@@ -105,11 +106,6 @@
       </a:defRPr>
     </a:lvl9pPr>
   </p:defaultTextStyle>
-  <p:extLst>
-    <p:ext uri="{EFAFB233-063F-42B5-8137-9DF3F51BA10A}">
-      <p15:sldGuideLst xmlns:p15="http://schemas.microsoft.com/office/powerpoint/2012/main"/>
-    </p:ext>
-  </p:extLst>
 </p:presentation>
 </file>
 
@@ -3802,45 +3798,117 @@
 </p:sld>
 </file>
 
+<file path=ppt/slides/slide3.xml><?xml version="1.0" encoding="utf-8"?>
+<p:sld xmlns:r="http://schemas.openxmlformats.org/officeDocument/2006/relationships" xmlns:c="http://schemas.openxmlformats.org/drawingml/2006/chart" xmlns:a="http://schemas.openxmlformats.org/drawingml/2006/main" xmlns:dgm="http://schemas.openxmlformats.org/drawingml/2006/diagram" xmlns:dsp="http://schemas.microsoft.com/office/drawing/2008/diagram" xmlns:p="http://schemas.openxmlformats.org/presentationml/2006/main">
+  <p:cSld>
+    <p:spTree>
+      <p:nvGrpSpPr>
+        <p:cNvPr id="1" name=""/>
+        <p:cNvGrpSpPr/>
+        <p:nvPr/>
+      </p:nvGrpSpPr>
+      <p:grpSpPr>
+        <a:xfrm>
+          <a:off x="0" y="0"/>
+          <a:ext cx="0" cy="0"/>
+          <a:chOff x="0" y="0"/>
+          <a:chExt cx="0" cy="0"/>
+        </a:xfrm>
+      </p:grpSpPr>
+      <p:sp>
+        <p:nvSpPr>
+          <p:cNvPr id="2" name="Title 1"/>
+          <p:cNvSpPr>
+            <a:spLocks noGrp="1"/>
+          </p:cNvSpPr>
+          <p:nvPr>
+            <p:ph type="title" idx="0"/>
+          </p:nvPr>
+        </p:nvSpPr>
+        <p:spPr>
+          <a:xfrm>
+            <a:off x="838200" y="2577383"/>
+            <a:ext cx="10515600" cy="1325563"/>
+          </a:xfrm>
+        </p:spPr>
+        <p:txBody>
+          <a:bodyPr>
+            <a:noAutofit/>
+          </a:bodyPr>
+          <a:p>
+            <a:pPr lvl="0" algn="ctr">
+              <a:defRPr/>
+            </a:pPr>
+            <a:r>
+              <a:rPr lang="en-US" altLang="ko-KR" sz="14400">
+                <a:solidFill>
+                  <a:srgbClr val="ffceb0"/>
+                </a:solidFill>
+                <a:latin typeface="Colonna MT"/>
+              </a:rPr>
+              <a:t>Thank You!</a:t>
+            </a:r>
+            <a:endParaRPr lang="en-US" altLang="ko-KR" sz="14400">
+              <a:solidFill>
+                <a:srgbClr val="ffceb0"/>
+              </a:solidFill>
+              <a:latin typeface="Colonna MT"/>
+            </a:endParaRPr>
+          </a:p>
+        </p:txBody>
+      </p:sp>
+    </p:spTree>
+    <p:extLst>
+      <p:ext uri="{BB962C8B-B14F-4D97-AF65-F5344CB8AC3E}">
+        <p14:creationId xmlns:p14="http://schemas.microsoft.com/office/powerpoint/2010/main" val="801439069"/>
+      </p:ext>
+    </p:extLst>
+  </p:cSld>
+  <p:clrMapOvr>
+    <a:masterClrMapping/>
+  </p:clrMapOvr>
+</p:sld>
+</file>
+
 <file path=ppt/theme/theme1.xml><?xml version="1.0" encoding="utf-8"?>
-<a:theme xmlns:a="http://schemas.openxmlformats.org/drawingml/2006/main" name="Office Theme">
+<a:theme xmlns:r="http://schemas.openxmlformats.org/officeDocument/2006/relationships" xmlns:c="http://schemas.openxmlformats.org/drawingml/2006/chart" xmlns:dgm="http://schemas.openxmlformats.org/drawingml/2006/diagram" xmlns:dsp="http://schemas.microsoft.com/office/drawing/2008/diagram" xmlns:a="http://schemas.openxmlformats.org/drawingml/2006/main" xmlns:pic="http://schemas.openxmlformats.org/drawingml/2006/picture" xmlns:wp="http://schemas.openxmlformats.org/drawingml/2006/wordprocessingDrawing" xmlns:xdr="http://schemas.openxmlformats.org/drawingml/2006/spreadsheetDrawing" xmlns:lc="http://schemas.openxmlformats.org/drawingml/2006/lockedCanvas" xmlns:p="http://schemas.openxmlformats.org/presentationml/2006/main" name="Office Theme">
   <a:themeElements>
     <a:clrScheme name="Office">
       <a:dk1>
         <a:sysClr val="windowText" lastClr="000000"/>
       </a:dk1>
       <a:lt1>
-        <a:sysClr val="window" lastClr="FFFFFF"/>
+        <a:sysClr val="window" lastClr="ffffff"/>
       </a:lt1>
       <a:dk2>
-        <a:srgbClr val="44546A"/>
+        <a:srgbClr val="44546a"/>
       </a:dk2>
       <a:lt2>
-        <a:srgbClr val="E7E6E6"/>
+        <a:srgbClr val="e7e6e6"/>
       </a:lt2>
       <a:accent1>
-        <a:srgbClr val="4472C4"/>
+        <a:srgbClr val="4472c4"/>
       </a:accent1>
       <a:accent2>
-        <a:srgbClr val="ED7D31"/>
+        <a:srgbClr val="ed7d31"/>
       </a:accent2>
       <a:accent3>
-        <a:srgbClr val="A5A5A5"/>
+        <a:srgbClr val="a5a5a5"/>
       </a:accent3>
       <a:accent4>
-        <a:srgbClr val="FFC000"/>
+        <a:srgbClr val="ffc000"/>
       </a:accent4>
       <a:accent5>
-        <a:srgbClr val="5B9BD5"/>
+        <a:srgbClr val="5b9bd5"/>
       </a:accent5>
       <a:accent6>
-        <a:srgbClr val="70AD47"/>
+        <a:srgbClr val="70ad47"/>
       </a:accent6>
       <a:hlink>
-        <a:srgbClr val="0563C1"/>
+        <a:srgbClr val="0563c1"/>
       </a:hlink>
       <a:folHlink>
-        <a:srgbClr val="954F72"/>
+        <a:srgbClr val="954f72"/>
       </a:folHlink>
     </a:clrScheme>
     <a:fontScheme name="Office">
@@ -3848,9 +3916,9 @@
         <a:latin typeface="Calibri Light" panose="020F0302020204030204"/>
         <a:ea typeface=""/>
         <a:cs typeface=""/>
-        <a:font script="Jpan" typeface="游ゴシック Light"/>
+        <a:font script="Jpan" typeface="Yu Gothic Light"/>
         <a:font script="Hang" typeface="맑은 고딕"/>
-        <a:font script="Hans" typeface="等线 Light"/>
+        <a:font script="Hans" typeface="DengXian Light"/>
         <a:font script="Hant" typeface="新細明體"/>
         <a:font script="Arab" typeface="Times New Roman"/>
         <a:font script="Hebr" typeface="Times New Roman"/>
@@ -3900,9 +3968,9 @@
         <a:latin typeface="Calibri" panose="020F0502020204030204"/>
         <a:ea typeface=""/>
         <a:cs typeface=""/>
-        <a:font script="Jpan" typeface="游ゴシック"/>
+        <a:font script="Jpan" typeface="Yu Gothic"/>
         <a:font script="Hang" typeface="맑은 고딕"/>
-        <a:font script="Hans" typeface="等线"/>
+        <a:font script="Hans" typeface="DengXian"/>
         <a:font script="Hant" typeface="新細明體"/>
         <a:font script="Arab" typeface="Arial"/>
         <a:font script="Hebr" typeface="Arial"/>
@@ -4013,21 +4081,21 @@
             <a:schemeClr val="phClr"/>
           </a:solidFill>
           <a:prstDash val="solid"/>
-          <a:miter lim="800000"/>
+          <a:miter/>
         </a:ln>
         <a:ln w="12700" cap="flat" cmpd="sng" algn="ctr">
           <a:solidFill>
             <a:schemeClr val="phClr"/>
           </a:solidFill>
           <a:prstDash val="solid"/>
-          <a:miter lim="800000"/>
+          <a:miter/>
         </a:ln>
         <a:ln w="19050" cap="flat" cmpd="sng" algn="ctr">
           <a:solidFill>
             <a:schemeClr val="phClr"/>
           </a:solidFill>
           <a:prstDash val="solid"/>
-          <a:miter lim="800000"/>
+          <a:miter/>
         </a:ln>
       </a:lnStyleLst>
       <a:effectStyleLst>
@@ -4087,12 +4155,5 @@
       </a:bgFillStyleLst>
     </a:fmtScheme>
   </a:themeElements>
-  <a:objectDefaults/>
-  <a:extraClrSchemeLst/>
-  <a:extLst>
-    <a:ext uri="{05A4C25C-085E-4340-85A3-A5531E510DB2}">
-      <thm15:themeFamily xmlns:thm15="http://schemas.microsoft.com/office/thememl/2012/main" name="Office Theme" id="{62F939B6-93AF-4DB8-9C6B-D6C7DFDC589F}" vid="{4A3C46E8-61CC-4603-A589-7422A47A8E4A}"/>
-    </a:ext>
-  </a:extLst>
 </a:theme>
 </file>